--- a/docs/SRS/SystemContextFigure.pptx
+++ b/docs/SRS/SystemContextFigure.pptx
@@ -1,14 +1,14 @@
 
 <file path=ppt/presentation.xml><?xml version="1.0" encoding="utf-8"?>
-<p:presentation xmlns:a="http://schemas.openxmlformats.org/drawingml/2006/main" xmlns:r="http://schemas.openxmlformats.org/officeDocument/2006/relationships" xmlns:p="http://schemas.openxmlformats.org/presentationml/2006/main" saveSubsetFonts="1" autoCompressPictures="0">
+<p:presentation xmlns:a="http://schemas.openxmlformats.org/drawingml/2006/main" xmlns:r="http://schemas.openxmlformats.org/officeDocument/2006/relationships" xmlns:p="http://schemas.openxmlformats.org/presentationml/2006/main" autoCompressPictures="0">
   <p:sldMasterIdLst>
     <p:sldMasterId id="2147483648" r:id="rId1"/>
   </p:sldMasterIdLst>
   <p:sldIdLst>
-    <p:sldId id="256" r:id="rId2"/>
+    <p:sldId id="256" r:id="rId3"/>
   </p:sldIdLst>
   <p:sldSz cx="9144000" cy="6858000" type="screen4x3"/>
-  <p:notesSz cx="6858000" cy="9144000"/>
+  <p:notesSz cx="9144000" cy="6858000"/>
   <p:defaultTextStyle>
     <a:defPPr>
       <a:defRPr lang="en-US"/>
@@ -107,12 +107,12 @@
   <p:extLst>
     <p:ext uri="{EFAFB233-063F-42B5-8137-9DF3F51BA10A}">
       <p15:sldGuideLst xmlns:p15="http://schemas.microsoft.com/office/powerpoint/2012/main">
-        <p15:guide id="1" orient="horz" pos="2160">
+        <p15:guide id="1" orient="horz" pos="2160" userDrawn="1">
           <p15:clr>
             <a:srgbClr val="A4A3A4"/>
           </p15:clr>
         </p15:guide>
-        <p15:guide id="2" pos="2880">
+        <p15:guide id="2" pos="2880" userDrawn="1">
           <p15:clr>
             <a:srgbClr val="A4A3A4"/>
           </p15:clr>
@@ -304,7 +304,6 @@
           <a:p>
             <a:fld id="{779256A2-DE0C-7447-B687-786F38514E8C}" type="datetimeFigureOut">
               <a:rPr lang="en-US" smtClean="0"/>
-              <a:t>9/4/19</a:t>
             </a:fld>
             <a:endParaRPr lang="en-US"/>
           </a:p>
@@ -346,18 +345,12 @@
           <a:p>
             <a:fld id="{D1E6B054-2327-D043-B7B5-4043E46ED170}" type="slidenum">
               <a:rPr lang="en-US" smtClean="0"/>
-              <a:t>‹#›</a:t>
             </a:fld>
             <a:endParaRPr lang="en-US"/>
           </a:p>
         </p:txBody>
       </p:sp>
     </p:spTree>
-    <p:extLst>
-      <p:ext uri="{BB962C8B-B14F-4D97-AF65-F5344CB8AC3E}">
-        <p14:creationId xmlns:p14="http://schemas.microsoft.com/office/powerpoint/2010/main" val="3361452229"/>
-      </p:ext>
-    </p:extLst>
   </p:cSld>
   <p:clrMapOvr>
     <a:masterClrMapping/>
@@ -425,6 +418,7 @@
               <a:rPr lang="en-CA"/>
               <a:t>Click to edit Master text styles</a:t>
             </a:r>
+            <a:endParaRPr lang="en-CA"/>
           </a:p>
           <a:p>
             <a:pPr lvl="1"/>
@@ -432,6 +426,7 @@
               <a:rPr lang="en-CA"/>
               <a:t>Second level</a:t>
             </a:r>
+            <a:endParaRPr lang="en-CA"/>
           </a:p>
           <a:p>
             <a:pPr lvl="2"/>
@@ -439,6 +434,7 @@
               <a:rPr lang="en-CA"/>
               <a:t>Third level</a:t>
             </a:r>
+            <a:endParaRPr lang="en-CA"/>
           </a:p>
           <a:p>
             <a:pPr lvl="3"/>
@@ -446,6 +442,7 @@
               <a:rPr lang="en-CA"/>
               <a:t>Fourth level</a:t>
             </a:r>
+            <a:endParaRPr lang="en-CA"/>
           </a:p>
           <a:p>
             <a:pPr lvl="4"/>
@@ -474,7 +471,6 @@
           <a:p>
             <a:fld id="{779256A2-DE0C-7447-B687-786F38514E8C}" type="datetimeFigureOut">
               <a:rPr lang="en-US" smtClean="0"/>
-              <a:t>9/4/19</a:t>
             </a:fld>
             <a:endParaRPr lang="en-US"/>
           </a:p>
@@ -516,18 +512,12 @@
           <a:p>
             <a:fld id="{D1E6B054-2327-D043-B7B5-4043E46ED170}" type="slidenum">
               <a:rPr lang="en-US" smtClean="0"/>
-              <a:t>‹#›</a:t>
             </a:fld>
             <a:endParaRPr lang="en-US"/>
           </a:p>
         </p:txBody>
       </p:sp>
     </p:spTree>
-    <p:extLst>
-      <p:ext uri="{BB962C8B-B14F-4D97-AF65-F5344CB8AC3E}">
-        <p14:creationId xmlns:p14="http://schemas.microsoft.com/office/powerpoint/2010/main" val="1470153226"/>
-      </p:ext>
-    </p:extLst>
   </p:cSld>
   <p:clrMapOvr>
     <a:masterClrMapping/>
@@ -605,6 +595,7 @@
               <a:rPr lang="en-CA"/>
               <a:t>Click to edit Master text styles</a:t>
             </a:r>
+            <a:endParaRPr lang="en-CA"/>
           </a:p>
           <a:p>
             <a:pPr lvl="1"/>
@@ -612,6 +603,7 @@
               <a:rPr lang="en-CA"/>
               <a:t>Second level</a:t>
             </a:r>
+            <a:endParaRPr lang="en-CA"/>
           </a:p>
           <a:p>
             <a:pPr lvl="2"/>
@@ -619,6 +611,7 @@
               <a:rPr lang="en-CA"/>
               <a:t>Third level</a:t>
             </a:r>
+            <a:endParaRPr lang="en-CA"/>
           </a:p>
           <a:p>
             <a:pPr lvl="3"/>
@@ -626,6 +619,7 @@
               <a:rPr lang="en-CA"/>
               <a:t>Fourth level</a:t>
             </a:r>
+            <a:endParaRPr lang="en-CA"/>
           </a:p>
           <a:p>
             <a:pPr lvl="4"/>
@@ -654,7 +648,6 @@
           <a:p>
             <a:fld id="{779256A2-DE0C-7447-B687-786F38514E8C}" type="datetimeFigureOut">
               <a:rPr lang="en-US" smtClean="0"/>
-              <a:t>9/4/19</a:t>
             </a:fld>
             <a:endParaRPr lang="en-US"/>
           </a:p>
@@ -696,18 +689,12 @@
           <a:p>
             <a:fld id="{D1E6B054-2327-D043-B7B5-4043E46ED170}" type="slidenum">
               <a:rPr lang="en-US" smtClean="0"/>
-              <a:t>‹#›</a:t>
             </a:fld>
             <a:endParaRPr lang="en-US"/>
           </a:p>
         </p:txBody>
       </p:sp>
     </p:spTree>
-    <p:extLst>
-      <p:ext uri="{BB962C8B-B14F-4D97-AF65-F5344CB8AC3E}">
-        <p14:creationId xmlns:p14="http://schemas.microsoft.com/office/powerpoint/2010/main" val="2425975206"/>
-      </p:ext>
-    </p:extLst>
   </p:cSld>
   <p:clrMapOvr>
     <a:masterClrMapping/>
@@ -775,6 +762,7 @@
               <a:rPr lang="en-CA"/>
               <a:t>Click to edit Master text styles</a:t>
             </a:r>
+            <a:endParaRPr lang="en-CA"/>
           </a:p>
           <a:p>
             <a:pPr lvl="1"/>
@@ -782,6 +770,7 @@
               <a:rPr lang="en-CA"/>
               <a:t>Second level</a:t>
             </a:r>
+            <a:endParaRPr lang="en-CA"/>
           </a:p>
           <a:p>
             <a:pPr lvl="2"/>
@@ -789,6 +778,7 @@
               <a:rPr lang="en-CA"/>
               <a:t>Third level</a:t>
             </a:r>
+            <a:endParaRPr lang="en-CA"/>
           </a:p>
           <a:p>
             <a:pPr lvl="3"/>
@@ -796,6 +786,7 @@
               <a:rPr lang="en-CA"/>
               <a:t>Fourth level</a:t>
             </a:r>
+            <a:endParaRPr lang="en-CA"/>
           </a:p>
           <a:p>
             <a:pPr lvl="4"/>
@@ -824,7 +815,6 @@
           <a:p>
             <a:fld id="{779256A2-DE0C-7447-B687-786F38514E8C}" type="datetimeFigureOut">
               <a:rPr lang="en-US" smtClean="0"/>
-              <a:t>9/4/19</a:t>
             </a:fld>
             <a:endParaRPr lang="en-US"/>
           </a:p>
@@ -866,18 +856,12 @@
           <a:p>
             <a:fld id="{D1E6B054-2327-D043-B7B5-4043E46ED170}" type="slidenum">
               <a:rPr lang="en-US" smtClean="0"/>
-              <a:t>‹#›</a:t>
             </a:fld>
             <a:endParaRPr lang="en-US"/>
           </a:p>
         </p:txBody>
       </p:sp>
     </p:spTree>
-    <p:extLst>
-      <p:ext uri="{BB962C8B-B14F-4D97-AF65-F5344CB8AC3E}">
-        <p14:creationId xmlns:p14="http://schemas.microsoft.com/office/powerpoint/2010/main" val="2309045098"/>
-      </p:ext>
-    </p:extLst>
   </p:cSld>
   <p:clrMapOvr>
     <a:masterClrMapping/>
@@ -1050,6 +1034,7 @@
               <a:rPr lang="en-CA"/>
               <a:t>Click to edit Master text styles</a:t>
             </a:r>
+            <a:endParaRPr lang="en-CA"/>
           </a:p>
         </p:txBody>
       </p:sp>
@@ -1070,7 +1055,6 @@
           <a:p>
             <a:fld id="{779256A2-DE0C-7447-B687-786F38514E8C}" type="datetimeFigureOut">
               <a:rPr lang="en-US" smtClean="0"/>
-              <a:t>9/4/19</a:t>
             </a:fld>
             <a:endParaRPr lang="en-US"/>
           </a:p>
@@ -1112,18 +1096,12 @@
           <a:p>
             <a:fld id="{D1E6B054-2327-D043-B7B5-4043E46ED170}" type="slidenum">
               <a:rPr lang="en-US" smtClean="0"/>
-              <a:t>‹#›</a:t>
             </a:fld>
             <a:endParaRPr lang="en-US"/>
           </a:p>
         </p:txBody>
       </p:sp>
     </p:spTree>
-    <p:extLst>
-      <p:ext uri="{BB962C8B-B14F-4D97-AF65-F5344CB8AC3E}">
-        <p14:creationId xmlns:p14="http://schemas.microsoft.com/office/powerpoint/2010/main" val="3000644066"/>
-      </p:ext>
-    </p:extLst>
   </p:cSld>
   <p:clrMapOvr>
     <a:masterClrMapping/>
@@ -1224,6 +1202,7 @@
               <a:rPr lang="en-CA"/>
               <a:t>Click to edit Master text styles</a:t>
             </a:r>
+            <a:endParaRPr lang="en-CA"/>
           </a:p>
           <a:p>
             <a:pPr lvl="1"/>
@@ -1231,6 +1210,7 @@
               <a:rPr lang="en-CA"/>
               <a:t>Second level</a:t>
             </a:r>
+            <a:endParaRPr lang="en-CA"/>
           </a:p>
           <a:p>
             <a:pPr lvl="2"/>
@@ -1238,6 +1218,7 @@
               <a:rPr lang="en-CA"/>
               <a:t>Third level</a:t>
             </a:r>
+            <a:endParaRPr lang="en-CA"/>
           </a:p>
           <a:p>
             <a:pPr lvl="3"/>
@@ -1245,6 +1226,7 @@
               <a:rPr lang="en-CA"/>
               <a:t>Fourth level</a:t>
             </a:r>
+            <a:endParaRPr lang="en-CA"/>
           </a:p>
           <a:p>
             <a:pPr lvl="4"/>
@@ -1309,6 +1291,7 @@
               <a:rPr lang="en-CA"/>
               <a:t>Click to edit Master text styles</a:t>
             </a:r>
+            <a:endParaRPr lang="en-CA"/>
           </a:p>
           <a:p>
             <a:pPr lvl="1"/>
@@ -1316,6 +1299,7 @@
               <a:rPr lang="en-CA"/>
               <a:t>Second level</a:t>
             </a:r>
+            <a:endParaRPr lang="en-CA"/>
           </a:p>
           <a:p>
             <a:pPr lvl="2"/>
@@ -1323,6 +1307,7 @@
               <a:rPr lang="en-CA"/>
               <a:t>Third level</a:t>
             </a:r>
+            <a:endParaRPr lang="en-CA"/>
           </a:p>
           <a:p>
             <a:pPr lvl="3"/>
@@ -1330,6 +1315,7 @@
               <a:rPr lang="en-CA"/>
               <a:t>Fourth level</a:t>
             </a:r>
+            <a:endParaRPr lang="en-CA"/>
           </a:p>
           <a:p>
             <a:pPr lvl="4"/>
@@ -1358,7 +1344,6 @@
           <a:p>
             <a:fld id="{779256A2-DE0C-7447-B687-786F38514E8C}" type="datetimeFigureOut">
               <a:rPr lang="en-US" smtClean="0"/>
-              <a:t>9/4/19</a:t>
             </a:fld>
             <a:endParaRPr lang="en-US"/>
           </a:p>
@@ -1400,18 +1385,12 @@
           <a:p>
             <a:fld id="{D1E6B054-2327-D043-B7B5-4043E46ED170}" type="slidenum">
               <a:rPr lang="en-US" smtClean="0"/>
-              <a:t>‹#›</a:t>
             </a:fld>
             <a:endParaRPr lang="en-US"/>
           </a:p>
         </p:txBody>
       </p:sp>
     </p:spTree>
-    <p:extLst>
-      <p:ext uri="{BB962C8B-B14F-4D97-AF65-F5344CB8AC3E}">
-        <p14:creationId xmlns:p14="http://schemas.microsoft.com/office/powerpoint/2010/main" val="1759991822"/>
-      </p:ext>
-    </p:extLst>
   </p:cSld>
   <p:clrMapOvr>
     <a:masterClrMapping/>
@@ -1525,6 +1504,7 @@
               <a:rPr lang="en-CA"/>
               <a:t>Click to edit Master text styles</a:t>
             </a:r>
+            <a:endParaRPr lang="en-CA"/>
           </a:p>
         </p:txBody>
       </p:sp>
@@ -1581,6 +1561,7 @@
               <a:rPr lang="en-CA"/>
               <a:t>Click to edit Master text styles</a:t>
             </a:r>
+            <a:endParaRPr lang="en-CA"/>
           </a:p>
           <a:p>
             <a:pPr lvl="1"/>
@@ -1588,6 +1569,7 @@
               <a:rPr lang="en-CA"/>
               <a:t>Second level</a:t>
             </a:r>
+            <a:endParaRPr lang="en-CA"/>
           </a:p>
           <a:p>
             <a:pPr lvl="2"/>
@@ -1595,6 +1577,7 @@
               <a:rPr lang="en-CA"/>
               <a:t>Third level</a:t>
             </a:r>
+            <a:endParaRPr lang="en-CA"/>
           </a:p>
           <a:p>
             <a:pPr lvl="3"/>
@@ -1602,6 +1585,7 @@
               <a:rPr lang="en-CA"/>
               <a:t>Fourth level</a:t>
             </a:r>
+            <a:endParaRPr lang="en-CA"/>
           </a:p>
           <a:p>
             <a:pPr lvl="4"/>
@@ -1675,6 +1659,7 @@
               <a:rPr lang="en-CA"/>
               <a:t>Click to edit Master text styles</a:t>
             </a:r>
+            <a:endParaRPr lang="en-CA"/>
           </a:p>
         </p:txBody>
       </p:sp>
@@ -1731,6 +1716,7 @@
               <a:rPr lang="en-CA"/>
               <a:t>Click to edit Master text styles</a:t>
             </a:r>
+            <a:endParaRPr lang="en-CA"/>
           </a:p>
           <a:p>
             <a:pPr lvl="1"/>
@@ -1738,6 +1724,7 @@
               <a:rPr lang="en-CA"/>
               <a:t>Second level</a:t>
             </a:r>
+            <a:endParaRPr lang="en-CA"/>
           </a:p>
           <a:p>
             <a:pPr lvl="2"/>
@@ -1745,6 +1732,7 @@
               <a:rPr lang="en-CA"/>
               <a:t>Third level</a:t>
             </a:r>
+            <a:endParaRPr lang="en-CA"/>
           </a:p>
           <a:p>
             <a:pPr lvl="3"/>
@@ -1752,6 +1740,7 @@
               <a:rPr lang="en-CA"/>
               <a:t>Fourth level</a:t>
             </a:r>
+            <a:endParaRPr lang="en-CA"/>
           </a:p>
           <a:p>
             <a:pPr lvl="4"/>
@@ -1780,7 +1769,6 @@
           <a:p>
             <a:fld id="{779256A2-DE0C-7447-B687-786F38514E8C}" type="datetimeFigureOut">
               <a:rPr lang="en-US" smtClean="0"/>
-              <a:t>9/4/19</a:t>
             </a:fld>
             <a:endParaRPr lang="en-US"/>
           </a:p>
@@ -1822,18 +1810,12 @@
           <a:p>
             <a:fld id="{D1E6B054-2327-D043-B7B5-4043E46ED170}" type="slidenum">
               <a:rPr lang="en-US" smtClean="0"/>
-              <a:t>‹#›</a:t>
             </a:fld>
             <a:endParaRPr lang="en-US"/>
           </a:p>
         </p:txBody>
       </p:sp>
     </p:spTree>
-    <p:extLst>
-      <p:ext uri="{BB962C8B-B14F-4D97-AF65-F5344CB8AC3E}">
-        <p14:creationId xmlns:p14="http://schemas.microsoft.com/office/powerpoint/2010/main" val="2069037642"/>
-      </p:ext>
-    </p:extLst>
   </p:cSld>
   <p:clrMapOvr>
     <a:masterClrMapping/>
@@ -1898,7 +1880,6 @@
           <a:p>
             <a:fld id="{779256A2-DE0C-7447-B687-786F38514E8C}" type="datetimeFigureOut">
               <a:rPr lang="en-US" smtClean="0"/>
-              <a:t>9/4/19</a:t>
             </a:fld>
             <a:endParaRPr lang="en-US"/>
           </a:p>
@@ -1940,18 +1921,12 @@
           <a:p>
             <a:fld id="{D1E6B054-2327-D043-B7B5-4043E46ED170}" type="slidenum">
               <a:rPr lang="en-US" smtClean="0"/>
-              <a:t>‹#›</a:t>
             </a:fld>
             <a:endParaRPr lang="en-US"/>
           </a:p>
         </p:txBody>
       </p:sp>
     </p:spTree>
-    <p:extLst>
-      <p:ext uri="{BB962C8B-B14F-4D97-AF65-F5344CB8AC3E}">
-        <p14:creationId xmlns:p14="http://schemas.microsoft.com/office/powerpoint/2010/main" val="2545465010"/>
-      </p:ext>
-    </p:extLst>
   </p:cSld>
   <p:clrMapOvr>
     <a:masterClrMapping/>
@@ -1993,7 +1968,6 @@
           <a:p>
             <a:fld id="{779256A2-DE0C-7447-B687-786F38514E8C}" type="datetimeFigureOut">
               <a:rPr lang="en-US" smtClean="0"/>
-              <a:t>9/4/19</a:t>
             </a:fld>
             <a:endParaRPr lang="en-US"/>
           </a:p>
@@ -2035,18 +2009,12 @@
           <a:p>
             <a:fld id="{D1E6B054-2327-D043-B7B5-4043E46ED170}" type="slidenum">
               <a:rPr lang="en-US" smtClean="0"/>
-              <a:t>‹#›</a:t>
             </a:fld>
             <a:endParaRPr lang="en-US"/>
           </a:p>
         </p:txBody>
       </p:sp>
     </p:spTree>
-    <p:extLst>
-      <p:ext uri="{BB962C8B-B14F-4D97-AF65-F5344CB8AC3E}">
-        <p14:creationId xmlns:p14="http://schemas.microsoft.com/office/powerpoint/2010/main" val="319494334"/>
-      </p:ext>
-    </p:extLst>
   </p:cSld>
   <p:clrMapOvr>
     <a:masterClrMapping/>
@@ -2156,6 +2124,7 @@
               <a:rPr lang="en-CA"/>
               <a:t>Click to edit Master text styles</a:t>
             </a:r>
+            <a:endParaRPr lang="en-CA"/>
           </a:p>
           <a:p>
             <a:pPr lvl="1"/>
@@ -2163,6 +2132,7 @@
               <a:rPr lang="en-CA"/>
               <a:t>Second level</a:t>
             </a:r>
+            <a:endParaRPr lang="en-CA"/>
           </a:p>
           <a:p>
             <a:pPr lvl="2"/>
@@ -2170,6 +2140,7 @@
               <a:rPr lang="en-CA"/>
               <a:t>Third level</a:t>
             </a:r>
+            <a:endParaRPr lang="en-CA"/>
           </a:p>
           <a:p>
             <a:pPr lvl="3"/>
@@ -2177,6 +2148,7 @@
               <a:rPr lang="en-CA"/>
               <a:t>Fourth level</a:t>
             </a:r>
+            <a:endParaRPr lang="en-CA"/>
           </a:p>
           <a:p>
             <a:pPr lvl="4"/>
@@ -2250,6 +2222,7 @@
               <a:rPr lang="en-CA"/>
               <a:t>Click to edit Master text styles</a:t>
             </a:r>
+            <a:endParaRPr lang="en-CA"/>
           </a:p>
         </p:txBody>
       </p:sp>
@@ -2270,7 +2243,6 @@
           <a:p>
             <a:fld id="{779256A2-DE0C-7447-B687-786F38514E8C}" type="datetimeFigureOut">
               <a:rPr lang="en-US" smtClean="0"/>
-              <a:t>9/4/19</a:t>
             </a:fld>
             <a:endParaRPr lang="en-US"/>
           </a:p>
@@ -2312,18 +2284,12 @@
           <a:p>
             <a:fld id="{D1E6B054-2327-D043-B7B5-4043E46ED170}" type="slidenum">
               <a:rPr lang="en-US" smtClean="0"/>
-              <a:t>‹#›</a:t>
             </a:fld>
             <a:endParaRPr lang="en-US"/>
           </a:p>
         </p:txBody>
       </p:sp>
     </p:spTree>
-    <p:extLst>
-      <p:ext uri="{BB962C8B-B14F-4D97-AF65-F5344CB8AC3E}">
-        <p14:creationId xmlns:p14="http://schemas.microsoft.com/office/powerpoint/2010/main" val="3966389927"/>
-      </p:ext>
-    </p:extLst>
   </p:cSld>
   <p:clrMapOvr>
     <a:masterClrMapping/>
@@ -2503,6 +2469,7 @@
               <a:rPr lang="en-CA"/>
               <a:t>Click to edit Master text styles</a:t>
             </a:r>
+            <a:endParaRPr lang="en-CA"/>
           </a:p>
         </p:txBody>
       </p:sp>
@@ -2523,7 +2490,6 @@
           <a:p>
             <a:fld id="{779256A2-DE0C-7447-B687-786F38514E8C}" type="datetimeFigureOut">
               <a:rPr lang="en-US" smtClean="0"/>
-              <a:t>9/4/19</a:t>
             </a:fld>
             <a:endParaRPr lang="en-US"/>
           </a:p>
@@ -2565,18 +2531,12 @@
           <a:p>
             <a:fld id="{D1E6B054-2327-D043-B7B5-4043E46ED170}" type="slidenum">
               <a:rPr lang="en-US" smtClean="0"/>
-              <a:t>‹#›</a:t>
             </a:fld>
             <a:endParaRPr lang="en-US"/>
           </a:p>
         </p:txBody>
       </p:sp>
     </p:spTree>
-    <p:extLst>
-      <p:ext uri="{BB962C8B-B14F-4D97-AF65-F5344CB8AC3E}">
-        <p14:creationId xmlns:p14="http://schemas.microsoft.com/office/powerpoint/2010/main" val="1144746459"/>
-      </p:ext>
-    </p:extLst>
   </p:cSld>
   <p:clrMapOvr>
     <a:masterClrMapping/>
@@ -2669,6 +2629,7 @@
               <a:rPr lang="en-CA"/>
               <a:t>Click to edit Master text styles</a:t>
             </a:r>
+            <a:endParaRPr lang="en-CA"/>
           </a:p>
           <a:p>
             <a:pPr lvl="1"/>
@@ -2676,6 +2637,7 @@
               <a:rPr lang="en-CA"/>
               <a:t>Second level</a:t>
             </a:r>
+            <a:endParaRPr lang="en-CA"/>
           </a:p>
           <a:p>
             <a:pPr lvl="2"/>
@@ -2683,6 +2645,7 @@
               <a:rPr lang="en-CA"/>
               <a:t>Third level</a:t>
             </a:r>
+            <a:endParaRPr lang="en-CA"/>
           </a:p>
           <a:p>
             <a:pPr lvl="3"/>
@@ -2690,6 +2653,7 @@
               <a:rPr lang="en-CA"/>
               <a:t>Fourth level</a:t>
             </a:r>
+            <a:endParaRPr lang="en-CA"/>
           </a:p>
           <a:p>
             <a:pPr lvl="4"/>
@@ -2736,7 +2700,6 @@
           <a:p>
             <a:fld id="{779256A2-DE0C-7447-B687-786F38514E8C}" type="datetimeFigureOut">
               <a:rPr lang="en-US" smtClean="0"/>
-              <a:t>9/4/19</a:t>
             </a:fld>
             <a:endParaRPr lang="en-US"/>
           </a:p>
@@ -2814,18 +2777,12 @@
           <a:p>
             <a:fld id="{D1E6B054-2327-D043-B7B5-4043E46ED170}" type="slidenum">
               <a:rPr lang="en-US" smtClean="0"/>
-              <a:t>‹#›</a:t>
             </a:fld>
             <a:endParaRPr lang="en-US"/>
           </a:p>
         </p:txBody>
       </p:sp>
     </p:spTree>
-    <p:extLst>
-      <p:ext uri="{BB962C8B-B14F-4D97-AF65-F5344CB8AC3E}">
-        <p14:creationId xmlns:p14="http://schemas.microsoft.com/office/powerpoint/2010/main" val="1896066680"/>
-      </p:ext>
-    </p:extLst>
   </p:cSld>
   <p:clrMap bg1="lt1" tx1="dk1" bg2="lt2" tx2="dk2" accent1="accent1" accent2="accent2" accent3="accent3" accent4="accent4" accent5="accent5" accent6="accent6" hlink="hlink" folHlink="folHlink"/>
   <p:sldLayoutIdLst>
@@ -2863,7 +2820,7 @@
         <a:spcBef>
           <a:spcPct val="20000"/>
         </a:spcBef>
-        <a:buFont typeface="Arial"/>
+        <a:buFont typeface="Arial" panose="020B0604020202090204"/>
         <a:buChar char="•"/>
         <a:defRPr sz="3200" kern="1200">
           <a:solidFill>
@@ -2878,7 +2835,7 @@
         <a:spcBef>
           <a:spcPct val="20000"/>
         </a:spcBef>
-        <a:buFont typeface="Arial"/>
+        <a:buFont typeface="Arial" panose="020B0604020202090204"/>
         <a:buChar char="–"/>
         <a:defRPr sz="2800" kern="1200">
           <a:solidFill>
@@ -2893,7 +2850,7 @@
         <a:spcBef>
           <a:spcPct val="20000"/>
         </a:spcBef>
-        <a:buFont typeface="Arial"/>
+        <a:buFont typeface="Arial" panose="020B0604020202090204"/>
         <a:buChar char="•"/>
         <a:defRPr sz="2400" kern="1200">
           <a:solidFill>
@@ -2908,7 +2865,7 @@
         <a:spcBef>
           <a:spcPct val="20000"/>
         </a:spcBef>
-        <a:buFont typeface="Arial"/>
+        <a:buFont typeface="Arial" panose="020B0604020202090204"/>
         <a:buChar char="–"/>
         <a:defRPr sz="2000" kern="1200">
           <a:solidFill>
@@ -2923,7 +2880,7 @@
         <a:spcBef>
           <a:spcPct val="20000"/>
         </a:spcBef>
-        <a:buFont typeface="Arial"/>
+        <a:buFont typeface="Arial" panose="020B0604020202090204"/>
         <a:buChar char="»"/>
         <a:defRPr sz="2000" kern="1200">
           <a:solidFill>
@@ -2938,7 +2895,7 @@
         <a:spcBef>
           <a:spcPct val="20000"/>
         </a:spcBef>
-        <a:buFont typeface="Arial"/>
+        <a:buFont typeface="Arial" panose="020B0604020202090204"/>
         <a:buChar char="•"/>
         <a:defRPr sz="2000" kern="1200">
           <a:solidFill>
@@ -2953,7 +2910,7 @@
         <a:spcBef>
           <a:spcPct val="20000"/>
         </a:spcBef>
-        <a:buFont typeface="Arial"/>
+        <a:buFont typeface="Arial" panose="020B0604020202090204"/>
         <a:buChar char="•"/>
         <a:defRPr sz="2000" kern="1200">
           <a:solidFill>
@@ -2968,7 +2925,7 @@
         <a:spcBef>
           <a:spcPct val="20000"/>
         </a:spcBef>
-        <a:buFont typeface="Arial"/>
+        <a:buFont typeface="Arial" panose="020B0604020202090204"/>
         <a:buChar char="•"/>
         <a:defRPr sz="2000" kern="1200">
           <a:solidFill>
@@ -2983,7 +2940,7 @@
         <a:spcBef>
           <a:spcPct val="20000"/>
         </a:spcBef>
-        <a:buFont typeface="Arial"/>
+        <a:buFont typeface="Arial" panose="020B0604020202090204"/>
         <a:buChar char="•"/>
         <a:defRPr sz="2000" kern="1200">
           <a:solidFill>
@@ -3119,10 +3076,10 @@
         </p:nvGrpSpPr>
         <p:grpSpPr>
           <a:xfrm>
-            <a:off x="189913" y="2868373"/>
-            <a:ext cx="8858711" cy="1252941"/>
-            <a:chOff x="189913" y="3381165"/>
-            <a:chExt cx="8858711" cy="1252941"/>
+            <a:off x="189913" y="2787728"/>
+            <a:ext cx="8858711" cy="1333586"/>
+            <a:chOff x="189913" y="3300520"/>
+            <a:chExt cx="8858711" cy="1333586"/>
           </a:xfrm>
         </p:grpSpPr>
         <p:grpSp>
@@ -3222,11 +3179,15 @@
                 <a:p>
                   <a:r>
                     <a:rPr lang="en-US" sz="2400" dirty="0">
-                      <a:latin typeface="Times New Roman"/>
-                      <a:cs typeface="Times New Roman"/>
+                      <a:latin typeface="Times New Roman" panose="02020503050405090304"/>
+                      <a:cs typeface="Times New Roman" panose="02020503050405090304"/>
                     </a:rPr>
                     <a:t>User</a:t>
                   </a:r>
+                  <a:endParaRPr lang="en-US" sz="2400" dirty="0">
+                    <a:latin typeface="Times New Roman" panose="02020503050405090304"/>
+                    <a:cs typeface="Times New Roman" panose="02020503050405090304"/>
+                  </a:endParaRPr>
                 </a:p>
               </p:txBody>
             </p:sp>
@@ -3314,11 +3275,15 @@
                 <a:p>
                   <a:r>
                     <a:rPr lang="en-US" sz="2400" dirty="0">
-                      <a:latin typeface="Times New Roman"/>
-                      <a:cs typeface="Times New Roman"/>
+                      <a:latin typeface="Times New Roman" panose="02020503050405090304"/>
+                      <a:cs typeface="Times New Roman" panose="02020503050405090304"/>
                     </a:rPr>
                     <a:t>User</a:t>
                   </a:r>
+                  <a:endParaRPr lang="en-US" sz="2400" dirty="0">
+                    <a:latin typeface="Times New Roman" panose="02020503050405090304"/>
+                    <a:cs typeface="Times New Roman" panose="02020503050405090304"/>
+                  </a:endParaRPr>
                 </a:p>
               </p:txBody>
             </p:sp>
@@ -3383,6 +3348,7 @@
                   <a:rPr lang="en-US"/>
                   <a:t>`</a:t>
                 </a:r>
+                <a:endParaRPr lang="en-US"/>
               </a:p>
             </p:txBody>
           </p:sp>
@@ -3410,14 +3376,14 @@
               <a:p>
                 <a:r>
                   <a:rPr lang="en-US" sz="2400" dirty="0" err="1">
-                    <a:latin typeface="Times New Roman"/>
-                    <a:cs typeface="Times New Roman"/>
+                    <a:latin typeface="Times New Roman" panose="02020503050405090304"/>
+                    <a:cs typeface="Times New Roman" panose="02020503050405090304"/>
                   </a:rPr>
                   <a:t>ProgName</a:t>
                 </a:r>
                 <a:endParaRPr lang="en-US" sz="2400" dirty="0">
-                  <a:latin typeface="Times New Roman"/>
-                  <a:cs typeface="Times New Roman"/>
+                  <a:latin typeface="Times New Roman" panose="02020503050405090304"/>
+                  <a:cs typeface="Times New Roman" panose="02020503050405090304"/>
                 </a:endParaRPr>
               </a:p>
             </p:txBody>
@@ -3508,8 +3474,8 @@
           </p:nvSpPr>
           <p:spPr>
             <a:xfrm>
-              <a:off x="1745191" y="3577615"/>
-              <a:ext cx="1114408" cy="369332"/>
+              <a:off x="1538653" y="3359575"/>
+              <a:ext cx="2189480" cy="645160"/>
             </a:xfrm>
             <a:prstGeom prst="rect">
               <a:avLst/>
@@ -3517,18 +3483,29 @@
             <a:noFill/>
           </p:spPr>
           <p:txBody>
-            <a:bodyPr wrap="none" rtlCol="0">
+            <a:bodyPr wrap="square" rtlCol="0">
               <a:spAutoFit/>
             </a:bodyPr>
             <a:lstStyle/>
             <a:p>
               <a:r>
                 <a:rPr lang="en-US" dirty="0">
-                  <a:latin typeface="Times New Roman"/>
-                  <a:cs typeface="Times New Roman"/>
+                  <a:latin typeface="Times New Roman" panose="02020503050405090304"/>
+                  <a:cs typeface="Times New Roman" panose="02020503050405090304"/>
                 </a:rPr>
-                <a:t>Inputs: …</a:t>
+                <a:t>Inputs: </a:t>
               </a:r>
+              <a:r>
+                <a:rPr lang="en-US" dirty="0">
+                  <a:latin typeface="Times New Roman" panose="02020503050405090304"/>
+                  <a:cs typeface="Times New Roman" panose="02020503050405090304"/>
+                </a:rPr>
+                <a:t>Stimuli and BIDS</a:t>
+              </a:r>
+              <a:endParaRPr lang="en-US" dirty="0">
+                <a:latin typeface="Times New Roman" panose="02020503050405090304"/>
+                <a:cs typeface="Times New Roman" panose="02020503050405090304"/>
+              </a:endParaRPr>
             </a:p>
           </p:txBody>
         </p:sp>
@@ -3540,8 +3517,8 @@
           </p:nvSpPr>
           <p:spPr>
             <a:xfrm>
-              <a:off x="5369175" y="3577615"/>
-              <a:ext cx="1268296" cy="369332"/>
+              <a:off x="5526453" y="3300520"/>
+              <a:ext cx="2158365" cy="645160"/>
             </a:xfrm>
             <a:prstGeom prst="rect">
               <a:avLst/>
@@ -3549,28 +3526,27 @@
             <a:noFill/>
           </p:spPr>
           <p:txBody>
-            <a:bodyPr wrap="none" rtlCol="0">
+            <a:bodyPr wrap="square" rtlCol="0">
               <a:spAutoFit/>
             </a:bodyPr>
             <a:lstStyle/>
             <a:p>
               <a:r>
                 <a:rPr lang="en-US" dirty="0">
-                  <a:latin typeface="Times New Roman"/>
-                  <a:cs typeface="Times New Roman"/>
+                  <a:latin typeface="Times New Roman" panose="02020503050405090304"/>
+                  <a:cs typeface="Times New Roman" panose="02020503050405090304"/>
                 </a:rPr>
-                <a:t>Outputs: …</a:t>
+                <a:t>Outputs: Spatial and temporal response</a:t>
               </a:r>
+              <a:endParaRPr lang="en-US" dirty="0">
+                <a:latin typeface="Times New Roman" panose="02020503050405090304"/>
+                <a:cs typeface="Times New Roman" panose="02020503050405090304"/>
+              </a:endParaRPr>
             </a:p>
           </p:txBody>
         </p:sp>
       </p:grpSp>
     </p:spTree>
-    <p:extLst>
-      <p:ext uri="{BB962C8B-B14F-4D97-AF65-F5344CB8AC3E}">
-        <p14:creationId xmlns:p14="http://schemas.microsoft.com/office/powerpoint/2010/main" val="2981099056"/>
-      </p:ext>
-    </p:extLst>
   </p:cSld>
   <p:clrMapOvr>
     <a:masterClrMapping/>
@@ -3894,6 +3870,10 @@
       </a:style>
     </a:lnDef>
   </a:objectDefaults>
-  <a:extraClrSchemeLst/>
+  <a:extLst>
+    <a:ext uri="{05A4C25C-085E-4340-85A3-A5531E510DB2}">
+      <thm15:themeFamily xmlns:thm15="http://schemas.microsoft.com/office/thememl/2012/main" name="Office Theme" id="{62F939B6-93AF-4DB8-9C6B-D6C7DFDC589F}" vid="{4A3C46E8-61CC-4603-A589-7422A47A8E4A}"/>
+    </a:ext>
+  </a:extLst>
 </a:theme>
 </file>
--- a/docs/SRS/SystemContextFigure.pptx
+++ b/docs/SRS/SystemContextFigure.pptx
@@ -3298,9 +3298,9 @@
           <p:grpSpPr>
             <a:xfrm>
               <a:off x="3885481" y="3381165"/>
-              <a:ext cx="1523744" cy="1246370"/>
+              <a:ext cx="1483694" cy="1246370"/>
               <a:chOff x="3703297" y="1721177"/>
-              <a:chExt cx="1523744" cy="1246370"/>
+              <a:chExt cx="1483694" cy="1246370"/>
             </a:xfrm>
           </p:grpSpPr>
           <p:sp>
@@ -3360,8 +3360,8 @@
             </p:nvSpPr>
             <p:spPr>
               <a:xfrm>
-                <a:off x="3726309" y="2113529"/>
-                <a:ext cx="1500732" cy="461665"/>
+                <a:off x="3722982" y="1874847"/>
+                <a:ext cx="1456055" cy="819150"/>
               </a:xfrm>
               <a:prstGeom prst="rect">
                 <a:avLst/>
@@ -3369,17 +3369,30 @@
               <a:noFill/>
             </p:spPr>
             <p:txBody>
-              <a:bodyPr wrap="none" rtlCol="0">
-                <a:spAutoFit/>
+              <a:bodyPr wrap="square" rtlCol="0">
+                <a:noAutofit/>
               </a:bodyPr>
               <a:lstStyle/>
               <a:p>
                 <a:r>
-                  <a:rPr lang="en-US" sz="2400" dirty="0" err="1">
+                  <a:rPr lang="en-US" sz="2400" dirty="0">
                     <a:latin typeface="Times New Roman" panose="02020503050405090304"/>
                     <a:cs typeface="Times New Roman" panose="02020503050405090304"/>
                   </a:rPr>
-                  <a:t>ProgName</a:t>
+                  <a:t>NCRF</a:t>
+                </a:r>
+                <a:endParaRPr lang="en-US" sz="2400" dirty="0">
+                  <a:latin typeface="Times New Roman" panose="02020503050405090304"/>
+                  <a:cs typeface="Times New Roman" panose="02020503050405090304"/>
+                </a:endParaRPr>
+              </a:p>
+              <a:p>
+                <a:r>
+                  <a:rPr lang="en-US" sz="2400" dirty="0">
+                    <a:latin typeface="Times New Roman" panose="02020503050405090304"/>
+                    <a:cs typeface="Times New Roman" panose="02020503050405090304"/>
+                  </a:rPr>
+                  <a:t>PipeLine</a:t>
                 </a:r>
                 <a:endParaRPr lang="en-US" sz="2400" dirty="0">
                   <a:latin typeface="Times New Roman" panose="02020503050405090304"/>
